--- a/03_Export/PPTX/製造業デジタル変革プロジェクト.pptx
+++ b/03_Export/PPTX/製造業デジタル変革プロジェクト.pptx
@@ -645,7 +645,7 @@
           <a:p>
             <a:r>
               <a:rPr lang="en-US" dirty="0"/>
-              <a:t/>
+              <a:t>_style: "padding-bottom: 40px;"</a:t>
             </a:r>
             <a:endParaRPr lang="en-US" dirty="0"/>
           </a:p>
@@ -733,7 +733,7 @@
           <a:p>
             <a:r>
               <a:rPr lang="en-US" dirty="0"/>
-              <a:t/>
+              <a:t>_style: "padding-bottom: 40px;"</a:t>
             </a:r>
             <a:endParaRPr lang="en-US" dirty="0"/>
           </a:p>
@@ -821,7 +821,7 @@
           <a:p>
             <a:r>
               <a:rPr lang="en-US" dirty="0"/>
-              <a:t/>
+              <a:t>_style: "padding-bottom: 40px;"</a:t>
             </a:r>
             <a:endParaRPr lang="en-US" dirty="0"/>
           </a:p>
@@ -1525,7 +1525,7 @@
           <a:p>
             <a:r>
               <a:rPr lang="en-US" dirty="0"/>
-              <a:t/>
+              <a:t>_style: "padding-bottom: 45px;"</a:t>
             </a:r>
             <a:endParaRPr lang="en-US" dirty="0"/>
           </a:p>
@@ -2317,7 +2317,7 @@
           <a:p>
             <a:r>
               <a:rPr lang="en-US" dirty="0"/>
-              <a:t/>
+              <a:t>_style: "padding-bottom: 35px;"</a:t>
             </a:r>
             <a:endParaRPr lang="en-US" dirty="0"/>
           </a:p>
@@ -2405,7 +2405,7 @@
           <a:p>
             <a:r>
               <a:rPr lang="en-US" dirty="0"/>
-              <a:t/>
+              <a:t>_style: "padding-bottom: 35px;"</a:t>
             </a:r>
             <a:endParaRPr lang="en-US" dirty="0"/>
           </a:p>
@@ -2493,7 +2493,7 @@
           <a:p>
             <a:r>
               <a:rPr lang="en-US" dirty="0"/>
-              <a:t/>
+              <a:t>_style: "padding-bottom: 45px;"</a:t>
             </a:r>
             <a:endParaRPr lang="en-US" dirty="0"/>
           </a:p>
@@ -3989,7 +3989,7 @@
           <a:p>
             <a:r>
               <a:rPr lang="en-US" dirty="0"/>
-              <a:t/>
+              <a:t>_style: "padding-bottom: 30px;"</a:t>
             </a:r>
             <a:endParaRPr lang="en-US" dirty="0"/>
           </a:p>
@@ -4077,7 +4077,7 @@
           <a:p>
             <a:r>
               <a:rPr lang="en-US" dirty="0"/>
-              <a:t/>
+              <a:t>_style: "padding-bottom: 25px;"</a:t>
             </a:r>
             <a:endParaRPr lang="en-US" dirty="0"/>
           </a:p>
@@ -4165,7 +4165,7 @@
           <a:p>
             <a:r>
               <a:rPr lang="en-US" dirty="0"/>
-              <a:t/>
+              <a:t>_style: "padding-bottom: 30px;"</a:t>
             </a:r>
             <a:endParaRPr lang="en-US" dirty="0"/>
           </a:p>
@@ -4253,7 +4253,7 @@
           <a:p>
             <a:r>
               <a:rPr lang="en-US" dirty="0"/>
-              <a:t/>
+              <a:t>_style: "padding-bottom: 25px;"</a:t>
             </a:r>
             <a:endParaRPr lang="en-US" dirty="0"/>
           </a:p>
@@ -4341,7 +4341,7 @@
           <a:p>
             <a:r>
               <a:rPr lang="en-US" dirty="0"/>
-              <a:t/>
+              <a:t>_style: "padding-bottom: 20px;"</a:t>
             </a:r>
             <a:endParaRPr lang="en-US" dirty="0"/>
           </a:p>
@@ -4429,7 +4429,7 @@
           <a:p>
             <a:r>
               <a:rPr lang="en-US" dirty="0"/>
-              <a:t/>
+              <a:t>_style: "padding-bottom: 45px;"</a:t>
             </a:r>
             <a:endParaRPr lang="en-US" dirty="0"/>
           </a:p>
@@ -4517,7 +4517,7 @@
           <a:p>
             <a:r>
               <a:rPr lang="en-US" dirty="0"/>
-              <a:t/>
+              <a:t>_style: "padding-bottom: 30px;"</a:t>
             </a:r>
             <a:endParaRPr lang="en-US" dirty="0"/>
           </a:p>
@@ -4693,7 +4693,7 @@
           <a:p>
             <a:r>
               <a:rPr lang="en-US" dirty="0"/>
-              <a:t/>
+              <a:t>_style: "padding-bottom: 40px;"</a:t>
             </a:r>
             <a:endParaRPr lang="en-US" dirty="0"/>
           </a:p>
@@ -4781,7 +4781,7 @@
           <a:p>
             <a:r>
               <a:rPr lang="en-US" dirty="0"/>
-              <a:t/>
+              <a:t>_style: "padding-bottom: 40px;"</a:t>
             </a:r>
             <a:endParaRPr lang="en-US" dirty="0"/>
           </a:p>
@@ -4869,7 +4869,7 @@
           <a:p>
             <a:r>
               <a:rPr lang="en-US" dirty="0"/>
-              <a:t/>
+              <a:t>_style: "padding-bottom: 40px;"</a:t>
             </a:r>
             <a:endParaRPr lang="en-US" dirty="0"/>
           </a:p>
@@ -5133,7 +5133,7 @@
           <a:p>
             <a:r>
               <a:rPr lang="en-US" dirty="0"/>
-              <a:t/>
+              <a:t>_style: "padding-bottom: 45px;"</a:t>
             </a:r>
             <a:endParaRPr lang="en-US" dirty="0"/>
           </a:p>

--- a/03_Export/PPTX/製造業デジタル変革プロジェクト.pptx
+++ b/03_Export/PPTX/製造業デジタル変革プロジェクト.pptx
@@ -645,7 +645,7 @@
           <a:p>
             <a:r>
               <a:rPr lang="en-US" dirty="0"/>
-              <a:t>_style: "padding-bottom: 40px;"</a:t>
+              <a:t>_style: "padding-bottom: 55px; font-size: 18px;"</a:t>
             </a:r>
             <a:endParaRPr lang="en-US" dirty="0"/>
           </a:p>
@@ -733,7 +733,7 @@
           <a:p>
             <a:r>
               <a:rPr lang="en-US" dirty="0"/>
-              <a:t>_style: "padding-bottom: 40px;"</a:t>
+              <a:t>_style: "padding-bottom: 55px; font-size: 18px;"</a:t>
             </a:r>
             <a:endParaRPr lang="en-US" dirty="0"/>
           </a:p>
@@ -821,7 +821,7 @@
           <a:p>
             <a:r>
               <a:rPr lang="en-US" dirty="0"/>
-              <a:t>_style: "padding-bottom: 40px;"</a:t>
+              <a:t>_style: "padding-bottom: 55px; font-size: 18px;"</a:t>
             </a:r>
             <a:endParaRPr lang="en-US" dirty="0"/>
           </a:p>
@@ -1525,7 +1525,7 @@
           <a:p>
             <a:r>
               <a:rPr lang="en-US" dirty="0"/>
-              <a:t>_style: "padding-bottom: 45px;"</a:t>
+              <a:t>_style: "padding-bottom: 60px;"</a:t>
             </a:r>
             <a:endParaRPr lang="en-US" dirty="0"/>
           </a:p>
@@ -2317,7 +2317,13 @@
           <a:p>
             <a:r>
               <a:rPr lang="en-US" dirty="0"/>
-              <a:t>_style: "padding-bottom: 35px;"</a:t>
+              <a:t>_style: "
+  display: flex;
+  flex-direction: column;
+  padding: 20px 30px 75px 30px;
+  font-size: 14px;
+  line-height: 1.25;
+"</a:t>
             </a:r>
             <a:endParaRPr lang="en-US" dirty="0"/>
           </a:p>
@@ -2405,7 +2411,13 @@
           <a:p>
             <a:r>
               <a:rPr lang="en-US" dirty="0"/>
-              <a:t>_style: "padding-bottom: 35px;"</a:t>
+              <a:t>_style: "
+  display: flex;
+  flex-direction: column;
+  padding: 20px 30px 75px 30px;
+  font-size: 14px;
+  line-height: 1.25;
+"</a:t>
             </a:r>
             <a:endParaRPr lang="en-US" dirty="0"/>
           </a:p>
@@ -2493,7 +2505,7 @@
           <a:p>
             <a:r>
               <a:rPr lang="en-US" dirty="0"/>
-              <a:t>_style: "padding-bottom: 45px;"</a:t>
+              <a:t>_style: "padding-bottom: 60px;"</a:t>
             </a:r>
             <a:endParaRPr lang="en-US" dirty="0"/>
           </a:p>
@@ -3989,7 +4001,13 @@
           <a:p>
             <a:r>
               <a:rPr lang="en-US" dirty="0"/>
-              <a:t>_style: "padding-bottom: 30px;"</a:t>
+              <a:t>_style: "
+  padding: 15px 25px 85px 25px;
+  font-size: 13px;
+  line-height: 1.15;
+  display: flex;
+  flex-direction: column;
+"</a:t>
             </a:r>
             <a:endParaRPr lang="en-US" dirty="0"/>
           </a:p>
@@ -4077,7 +4095,13 @@
           <a:p>
             <a:r>
               <a:rPr lang="en-US" dirty="0"/>
-              <a:t>_style: "padding-bottom: 25px;"</a:t>
+              <a:t>_style: "
+  padding: 15px 25px 85px 25px;
+  font-size: 13px;
+  line-height: 1.15;
+  display: flex;
+  flex-direction: column;
+"</a:t>
             </a:r>
             <a:endParaRPr lang="en-US" dirty="0"/>
           </a:p>
@@ -4165,7 +4189,7 @@
           <a:p>
             <a:r>
               <a:rPr lang="en-US" dirty="0"/>
-              <a:t>_style: "padding-bottom: 30px;"</a:t>
+              <a:t>_style: "padding-bottom: 55px; font-size: 16px;"</a:t>
             </a:r>
             <a:endParaRPr lang="en-US" dirty="0"/>
           </a:p>
@@ -4253,7 +4277,7 @@
           <a:p>
             <a:r>
               <a:rPr lang="en-US" dirty="0"/>
-              <a:t>_style: "padding-bottom: 25px;"</a:t>
+              <a:t>_style: "padding-bottom: 60px; font-size: 16px;"</a:t>
             </a:r>
             <a:endParaRPr lang="en-US" dirty="0"/>
           </a:p>
@@ -4341,7 +4365,7 @@
           <a:p>
             <a:r>
               <a:rPr lang="en-US" dirty="0"/>
-              <a:t>_style: "padding-bottom: 20px;"</a:t>
+              <a:t>_style: "padding-bottom: 60px; font-size: 16px;"</a:t>
             </a:r>
             <a:endParaRPr lang="en-US" dirty="0"/>
           </a:p>
@@ -4429,7 +4453,7 @@
           <a:p>
             <a:r>
               <a:rPr lang="en-US" dirty="0"/>
-              <a:t>_style: "padding-bottom: 45px;"</a:t>
+              <a:t>_style: "padding-bottom: 60px;"</a:t>
             </a:r>
             <a:endParaRPr lang="en-US" dirty="0"/>
           </a:p>
@@ -4517,7 +4541,7 @@
           <a:p>
             <a:r>
               <a:rPr lang="en-US" dirty="0"/>
-              <a:t>_style: "padding-bottom: 30px;"</a:t>
+              <a:t>_style: "padding-bottom: 60px; font-size: 17px;"</a:t>
             </a:r>
             <a:endParaRPr lang="en-US" dirty="0"/>
           </a:p>
@@ -4693,7 +4717,7 @@
           <a:p>
             <a:r>
               <a:rPr lang="en-US" dirty="0"/>
-              <a:t>_style: "padding-bottom: 40px;"</a:t>
+              <a:t>_style: "padding-bottom: 55px;"</a:t>
             </a:r>
             <a:endParaRPr lang="en-US" dirty="0"/>
           </a:p>
@@ -4781,7 +4805,7 @@
           <a:p>
             <a:r>
               <a:rPr lang="en-US" dirty="0"/>
-              <a:t>_style: "padding-bottom: 40px;"</a:t>
+              <a:t>_style: "padding-bottom: 55px;"</a:t>
             </a:r>
             <a:endParaRPr lang="en-US" dirty="0"/>
           </a:p>
@@ -4869,7 +4893,7 @@
           <a:p>
             <a:r>
               <a:rPr lang="en-US" dirty="0"/>
-              <a:t>_style: "padding-bottom: 40px;"</a:t>
+              <a:t>_style: "padding-bottom: 55px;"</a:t>
             </a:r>
             <a:endParaRPr lang="en-US" dirty="0"/>
           </a:p>
@@ -5133,7 +5157,7 @@
           <a:p>
             <a:r>
               <a:rPr lang="en-US" dirty="0"/>
-              <a:t>_style: "padding-bottom: 45px;"</a:t>
+              <a:t>_style: "padding-bottom: 60px;"</a:t>
             </a:r>
             <a:endParaRPr lang="en-US" dirty="0"/>
           </a:p>

--- a/03_Export/PPTX/製造業デジタル変革プロジェクト.pptx
+++ b/03_Export/PPTX/製造業デジタル変革プロジェクト.pptx
@@ -909,7 +909,13 @@
           <a:p>
             <a:r>
               <a:rPr lang="en-US" dirty="0"/>
-              <a:t/>
+              <a:t>_style: "
+  display: flex;
+  flex-direction: column;
+  padding: 25px 35px 70px 35px;
+  font-size: 17px;
+  line-height: 1.4;
+"</a:t>
             </a:r>
             <a:endParaRPr lang="en-US" dirty="0"/>
           </a:p>
@@ -997,7 +1003,13 @@
           <a:p>
             <a:r>
               <a:rPr lang="en-US" dirty="0"/>
-              <a:t/>
+              <a:t>_style: "
+  display: flex;
+  flex-direction: column;
+  padding: 25px 35px 70px 35px;
+  font-size: 16px;
+  line-height: 1.4;
+"</a:t>
             </a:r>
             <a:endParaRPr lang="en-US" dirty="0"/>
           </a:p>
@@ -1085,7 +1097,13 @@
           <a:p>
             <a:r>
               <a:rPr lang="en-US" dirty="0"/>
-              <a:t/>
+              <a:t>_style: "
+  display: flex;
+  flex-direction: column;
+  padding: 25px 35px 70px 35px;
+  font-size: 16px;
+  line-height: 1.4;
+"</a:t>
             </a:r>
             <a:endParaRPr lang="en-US" dirty="0"/>
           </a:p>
@@ -1173,7 +1191,13 @@
           <a:p>
             <a:r>
               <a:rPr lang="en-US" dirty="0"/>
-              <a:t/>
+              <a:t>_style: "
+  display: flex;
+  flex-direction: column;
+  padding: 25px 35px 70px 35px;
+  font-size: 16px;
+  line-height: 1.4;
+"</a:t>
             </a:r>
             <a:endParaRPr lang="en-US" dirty="0"/>
           </a:p>
@@ -1261,7 +1285,13 @@
           <a:p>
             <a:r>
               <a:rPr lang="en-US" dirty="0"/>
-              <a:t/>
+              <a:t>_style: "
+  display: flex;
+  flex-direction: column;
+  padding: 25px 35px 70px 35px;
+  font-size: 16px;
+  line-height: 1.4;
+"</a:t>
             </a:r>
             <a:endParaRPr lang="en-US" dirty="0"/>
           </a:p>
@@ -1525,7 +1555,7 @@
           <a:p>
             <a:r>
               <a:rPr lang="en-US" dirty="0"/>
-              <a:t>_style: "padding-bottom: 60px;"</a:t>
+              <a:t>_style: "padding-bottom: 65px;"</a:t>
             </a:r>
             <a:endParaRPr lang="en-US" dirty="0"/>
           </a:p>
@@ -2321,8 +2351,8 @@
   display: flex;
   flex-direction: column;
   padding: 20px 30px 75px 30px;
-  font-size: 14px;
-  line-height: 1.25;
+  font-size: 15px;
+  line-height: 1.3;
 "</a:t>
             </a:r>
             <a:endParaRPr lang="en-US" dirty="0"/>
@@ -2415,8 +2445,8 @@
   display: flex;
   flex-direction: column;
   padding: 20px 30px 75px 30px;
-  font-size: 14px;
-  line-height: 1.25;
+  font-size: 15px;
+  line-height: 1.3;
 "</a:t>
             </a:r>
             <a:endParaRPr lang="en-US" dirty="0"/>
@@ -2505,7 +2535,7 @@
           <a:p>
             <a:r>
               <a:rPr lang="en-US" dirty="0"/>
-              <a:t>_style: "padding-bottom: 60px;"</a:t>
+              <a:t>_style: "padding-bottom: 65px;"</a:t>
             </a:r>
             <a:endParaRPr lang="en-US" dirty="0"/>
           </a:p>
@@ -3956,6 +3986,100 @@
 </file>
 
 <file path=ppt/notesSlides/notesSlide45.xml><?xml version="1.0" encoding="utf-8"?>
+<p:notes xmlns:a="http://schemas.openxmlformats.org/drawingml/2006/main" xmlns:r="http://schemas.openxmlformats.org/officeDocument/2006/relationships" xmlns:p="http://schemas.openxmlformats.org/presentationml/2006/main">
+  <p:cSld>
+    <p:spTree>
+      <p:nvGrpSpPr>
+        <p:cNvPr id="1" name=""/>
+        <p:cNvGrpSpPr/>
+        <p:nvPr/>
+      </p:nvGrpSpPr>
+      <p:grpSpPr>
+        <a:xfrm>
+          <a:off x="0" y="0"/>
+          <a:ext cx="0" cy="0"/>
+          <a:chOff x="0" y="0"/>
+          <a:chExt cx="0" cy="0"/>
+        </a:xfrm>
+      </p:grpSpPr>
+      <p:sp>
+        <p:nvSpPr>
+          <p:cNvPr id="2" name="Slide Image Placeholder 1"/>
+          <p:cNvSpPr>
+            <a:spLocks noGrp="1" noRot="1" noChangeAspect="1"/>
+          </p:cNvSpPr>
+          <p:nvPr>
+            <p:ph type="sldImg"/>
+          </p:nvPr>
+        </p:nvSpPr>
+        <p:spPr/>
+      </p:sp>
+      <p:sp>
+        <p:nvSpPr>
+          <p:cNvPr id="3" name="Notes Placeholder 2"/>
+          <p:cNvSpPr>
+            <a:spLocks noGrp="1"/>
+          </p:cNvSpPr>
+          <p:nvPr>
+            <p:ph type="body" idx="1"/>
+          </p:nvPr>
+        </p:nvSpPr>
+        <p:spPr/>
+        <p:txBody>
+          <a:bodyPr/>
+          <a:lstStyle/>
+          <a:p>
+            <a:r>
+              <a:rPr lang="en-US" dirty="0"/>
+              <a:t>_style: "
+  padding: 15px 25px 85px 25px;
+  font-size: 14px;
+  line-height: 1.2;
+  display: flex;
+  flex-direction: column;
+"</a:t>
+            </a:r>
+            <a:endParaRPr lang="en-US" dirty="0"/>
+          </a:p>
+        </p:txBody>
+      </p:sp>
+      <p:sp>
+        <p:nvSpPr>
+          <p:cNvPr id="4" name="Slide Number Placeholder 3"/>
+          <p:cNvSpPr>
+            <a:spLocks noGrp="1"/>
+          </p:cNvSpPr>
+          <p:nvPr>
+            <p:ph type="sldNum" sz="quarter" idx="10"/>
+          </p:nvPr>
+        </p:nvSpPr>
+        <p:spPr/>
+        <p:txBody>
+          <a:bodyPr/>
+          <a:lstStyle/>
+          <a:p>
+            <a:fld id="{F7021451-1387-4CA6-816F-3879F97B5CBC}" type="slidenum">
+              <a:rPr lang="en-US"/>
+              <a:t>45</a:t>
+            </a:fld>
+            <a:endParaRPr lang="en-US"/>
+          </a:p>
+        </p:txBody>
+      </p:sp>
+    </p:spTree>
+    <p:extLst>
+      <p:ext uri="{BB962C8B-B14F-4D97-AF65-F5344CB8AC3E}">
+        <p14:creationId xmlns:p14="http://schemas.microsoft.com/office/powerpoint/2010/main" val="1024086991"/>
+      </p:ext>
+    </p:extLst>
+  </p:cSld>
+  <p:clrMapOvr>
+    <a:masterClrMapping/>
+  </p:clrMapOvr>
+</p:notes>
+</file>
+
+<file path=ppt/notesSlides/notesSlide46.xml><?xml version="1.0" encoding="utf-8"?>
 <p:notes xmlns:a="http://schemas.openxmlformats.org/drawingml/2006/main" xmlns:r="http://schemas.openxmlformats.org/officeDocument/2006/relationships" xmlns:p="http://schemas.openxmlformats.org/presentationml/2006/main">
   <p:cSld>
     <p:spTree>
@@ -4030,7 +4154,7 @@
           <a:p>
             <a:fld id="{F7021451-1387-4CA6-816F-3879F97B5CBC}" type="slidenum">
               <a:rPr lang="en-US"/>
-              <a:t>45</a:t>
+              <a:t>46</a:t>
             </a:fld>
             <a:endParaRPr lang="en-US"/>
           </a:p>
@@ -4049,7 +4173,7 @@
 </p:notes>
 </file>
 
-<file path=ppt/notesSlides/notesSlide46.xml><?xml version="1.0" encoding="utf-8"?>
+<file path=ppt/notesSlides/notesSlide47.xml><?xml version="1.0" encoding="utf-8"?>
 <p:notes xmlns:a="http://schemas.openxmlformats.org/drawingml/2006/main" xmlns:r="http://schemas.openxmlformats.org/officeDocument/2006/relationships" xmlns:p="http://schemas.openxmlformats.org/presentationml/2006/main">
   <p:cSld>
     <p:spTree>
@@ -4095,13 +4219,7 @@
           <a:p>
             <a:r>
               <a:rPr lang="en-US" dirty="0"/>
-              <a:t>_style: "
-  padding: 15px 25px 85px 25px;
-  font-size: 13px;
-  line-height: 1.15;
-  display: flex;
-  flex-direction: column;
-"</a:t>
+              <a:t>_style: "padding-bottom: 55px; font-size: 16px;"</a:t>
             </a:r>
             <a:endParaRPr lang="en-US" dirty="0"/>
           </a:p>
@@ -4124,7 +4242,7 @@
           <a:p>
             <a:fld id="{F7021451-1387-4CA6-816F-3879F97B5CBC}" type="slidenum">
               <a:rPr lang="en-US"/>
-              <a:t>46</a:t>
+              <a:t>47</a:t>
             </a:fld>
             <a:endParaRPr lang="en-US"/>
           </a:p>
@@ -4143,7 +4261,7 @@
 </p:notes>
 </file>
 
-<file path=ppt/notesSlides/notesSlide47.xml><?xml version="1.0" encoding="utf-8"?>
+<file path=ppt/notesSlides/notesSlide48.xml><?xml version="1.0" encoding="utf-8"?>
 <p:notes xmlns:a="http://schemas.openxmlformats.org/drawingml/2006/main" xmlns:r="http://schemas.openxmlformats.org/officeDocument/2006/relationships" xmlns:p="http://schemas.openxmlformats.org/presentationml/2006/main">
   <p:cSld>
     <p:spTree>
@@ -4189,7 +4307,7 @@
           <a:p>
             <a:r>
               <a:rPr lang="en-US" dirty="0"/>
-              <a:t>_style: "padding-bottom: 55px; font-size: 16px;"</a:t>
+              <a:t>_style: "padding-bottom: 60px; font-size: 16px;"</a:t>
             </a:r>
             <a:endParaRPr lang="en-US" dirty="0"/>
           </a:p>
@@ -4212,7 +4330,7 @@
           <a:p>
             <a:fld id="{F7021451-1387-4CA6-816F-3879F97B5CBC}" type="slidenum">
               <a:rPr lang="en-US"/>
-              <a:t>47</a:t>
+              <a:t>48</a:t>
             </a:fld>
             <a:endParaRPr lang="en-US"/>
           </a:p>
@@ -4231,7 +4349,7 @@
 </p:notes>
 </file>
 
-<file path=ppt/notesSlides/notesSlide48.xml><?xml version="1.0" encoding="utf-8"?>
+<file path=ppt/notesSlides/notesSlide49.xml><?xml version="1.0" encoding="utf-8"?>
 <p:notes xmlns:a="http://schemas.openxmlformats.org/drawingml/2006/main" xmlns:r="http://schemas.openxmlformats.org/officeDocument/2006/relationships" xmlns:p="http://schemas.openxmlformats.org/presentationml/2006/main">
   <p:cSld>
     <p:spTree>
@@ -4300,7 +4418,7 @@
           <a:p>
             <a:fld id="{F7021451-1387-4CA6-816F-3879F97B5CBC}" type="slidenum">
               <a:rPr lang="en-US"/>
-              <a:t>48</a:t>
+              <a:t>49</a:t>
             </a:fld>
             <a:endParaRPr lang="en-US"/>
           </a:p>
@@ -4319,7 +4437,7 @@
 </p:notes>
 </file>
 
-<file path=ppt/notesSlides/notesSlide49.xml><?xml version="1.0" encoding="utf-8"?>
+<file path=ppt/notesSlides/notesSlide5.xml><?xml version="1.0" encoding="utf-8"?>
 <p:notes xmlns:a="http://schemas.openxmlformats.org/drawingml/2006/main" xmlns:r="http://schemas.openxmlformats.org/officeDocument/2006/relationships" xmlns:p="http://schemas.openxmlformats.org/presentationml/2006/main">
   <p:cSld>
     <p:spTree>
@@ -4365,7 +4483,7 @@
           <a:p>
             <a:r>
               <a:rPr lang="en-US" dirty="0"/>
-              <a:t>_style: "padding-bottom: 60px; font-size: 16px;"</a:t>
+              <a:t>_style: "padding-bottom: 65px;"</a:t>
             </a:r>
             <a:endParaRPr lang="en-US" dirty="0"/>
           </a:p>
@@ -4388,7 +4506,7 @@
           <a:p>
             <a:fld id="{F7021451-1387-4CA6-816F-3879F97B5CBC}" type="slidenum">
               <a:rPr lang="en-US"/>
-              <a:t>49</a:t>
+              <a:t>5</a:t>
             </a:fld>
             <a:endParaRPr lang="en-US"/>
           </a:p>
@@ -4407,7 +4525,7 @@
 </p:notes>
 </file>
 
-<file path=ppt/notesSlides/notesSlide5.xml><?xml version="1.0" encoding="utf-8"?>
+<file path=ppt/notesSlides/notesSlide50.xml><?xml version="1.0" encoding="utf-8"?>
 <p:notes xmlns:a="http://schemas.openxmlformats.org/drawingml/2006/main" xmlns:r="http://schemas.openxmlformats.org/officeDocument/2006/relationships" xmlns:p="http://schemas.openxmlformats.org/presentationml/2006/main">
   <p:cSld>
     <p:spTree>
@@ -4453,7 +4571,7 @@
           <a:p>
             <a:r>
               <a:rPr lang="en-US" dirty="0"/>
-              <a:t>_style: "padding-bottom: 60px;"</a:t>
+              <a:t>_style: "padding-bottom: 60px; font-size: 17px;"</a:t>
             </a:r>
             <a:endParaRPr lang="en-US" dirty="0"/>
           </a:p>
@@ -4476,7 +4594,7 @@
           <a:p>
             <a:fld id="{F7021451-1387-4CA6-816F-3879F97B5CBC}" type="slidenum">
               <a:rPr lang="en-US"/>
-              <a:t>5</a:t>
+              <a:t>50</a:t>
             </a:fld>
             <a:endParaRPr lang="en-US"/>
           </a:p>
@@ -4495,7 +4613,7 @@
 </p:notes>
 </file>
 
-<file path=ppt/notesSlides/notesSlide50.xml><?xml version="1.0" encoding="utf-8"?>
+<file path=ppt/notesSlides/notesSlide51.xml><?xml version="1.0" encoding="utf-8"?>
 <p:notes xmlns:a="http://schemas.openxmlformats.org/drawingml/2006/main" xmlns:r="http://schemas.openxmlformats.org/officeDocument/2006/relationships" xmlns:p="http://schemas.openxmlformats.org/presentationml/2006/main">
   <p:cSld>
     <p:spTree>
@@ -4541,7 +4659,7 @@
           <a:p>
             <a:r>
               <a:rPr lang="en-US" dirty="0"/>
-              <a:t>_style: "padding-bottom: 60px; font-size: 17px;"</a:t>
+              <a:t/>
             </a:r>
             <a:endParaRPr lang="en-US" dirty="0"/>
           </a:p>
@@ -4564,7 +4682,7 @@
           <a:p>
             <a:fld id="{F7021451-1387-4CA6-816F-3879F97B5CBC}" type="slidenum">
               <a:rPr lang="en-US"/>
-              <a:t>50</a:t>
+              <a:t>51</a:t>
             </a:fld>
             <a:endParaRPr lang="en-US"/>
           </a:p>
@@ -4583,7 +4701,271 @@
 </p:notes>
 </file>
 
-<file path=ppt/notesSlides/notesSlide51.xml><?xml version="1.0" encoding="utf-8"?>
+<file path=ppt/notesSlides/notesSlide52.xml><?xml version="1.0" encoding="utf-8"?>
+<p:notes xmlns:a="http://schemas.openxmlformats.org/drawingml/2006/main" xmlns:r="http://schemas.openxmlformats.org/officeDocument/2006/relationships" xmlns:p="http://schemas.openxmlformats.org/presentationml/2006/main">
+  <p:cSld>
+    <p:spTree>
+      <p:nvGrpSpPr>
+        <p:cNvPr id="1" name=""/>
+        <p:cNvGrpSpPr/>
+        <p:nvPr/>
+      </p:nvGrpSpPr>
+      <p:grpSpPr>
+        <a:xfrm>
+          <a:off x="0" y="0"/>
+          <a:ext cx="0" cy="0"/>
+          <a:chOff x="0" y="0"/>
+          <a:chExt cx="0" cy="0"/>
+        </a:xfrm>
+      </p:grpSpPr>
+      <p:sp>
+        <p:nvSpPr>
+          <p:cNvPr id="2" name="Slide Image Placeholder 1"/>
+          <p:cNvSpPr>
+            <a:spLocks noGrp="1" noRot="1" noChangeAspect="1"/>
+          </p:cNvSpPr>
+          <p:nvPr>
+            <p:ph type="sldImg"/>
+          </p:nvPr>
+        </p:nvSpPr>
+        <p:spPr/>
+      </p:sp>
+      <p:sp>
+        <p:nvSpPr>
+          <p:cNvPr id="3" name="Notes Placeholder 2"/>
+          <p:cNvSpPr>
+            <a:spLocks noGrp="1"/>
+          </p:cNvSpPr>
+          <p:nvPr>
+            <p:ph type="body" idx="1"/>
+          </p:nvPr>
+        </p:nvSpPr>
+        <p:spPr/>
+        <p:txBody>
+          <a:bodyPr/>
+          <a:lstStyle/>
+          <a:p>
+            <a:r>
+              <a:rPr lang="en-US" dirty="0"/>
+              <a:t>_style: "padding-bottom: 55px;"</a:t>
+            </a:r>
+            <a:endParaRPr lang="en-US" dirty="0"/>
+          </a:p>
+        </p:txBody>
+      </p:sp>
+      <p:sp>
+        <p:nvSpPr>
+          <p:cNvPr id="4" name="Slide Number Placeholder 3"/>
+          <p:cNvSpPr>
+            <a:spLocks noGrp="1"/>
+          </p:cNvSpPr>
+          <p:nvPr>
+            <p:ph type="sldNum" sz="quarter" idx="10"/>
+          </p:nvPr>
+        </p:nvSpPr>
+        <p:spPr/>
+        <p:txBody>
+          <a:bodyPr/>
+          <a:lstStyle/>
+          <a:p>
+            <a:fld id="{F7021451-1387-4CA6-816F-3879F97B5CBC}" type="slidenum">
+              <a:rPr lang="en-US"/>
+              <a:t>52</a:t>
+            </a:fld>
+            <a:endParaRPr lang="en-US"/>
+          </a:p>
+        </p:txBody>
+      </p:sp>
+    </p:spTree>
+    <p:extLst>
+      <p:ext uri="{BB962C8B-B14F-4D97-AF65-F5344CB8AC3E}">
+        <p14:creationId xmlns:p14="http://schemas.microsoft.com/office/powerpoint/2010/main" val="1024086991"/>
+      </p:ext>
+    </p:extLst>
+  </p:cSld>
+  <p:clrMapOvr>
+    <a:masterClrMapping/>
+  </p:clrMapOvr>
+</p:notes>
+</file>
+
+<file path=ppt/notesSlides/notesSlide53.xml><?xml version="1.0" encoding="utf-8"?>
+<p:notes xmlns:a="http://schemas.openxmlformats.org/drawingml/2006/main" xmlns:r="http://schemas.openxmlformats.org/officeDocument/2006/relationships" xmlns:p="http://schemas.openxmlformats.org/presentationml/2006/main">
+  <p:cSld>
+    <p:spTree>
+      <p:nvGrpSpPr>
+        <p:cNvPr id="1" name=""/>
+        <p:cNvGrpSpPr/>
+        <p:nvPr/>
+      </p:nvGrpSpPr>
+      <p:grpSpPr>
+        <a:xfrm>
+          <a:off x="0" y="0"/>
+          <a:ext cx="0" cy="0"/>
+          <a:chOff x="0" y="0"/>
+          <a:chExt cx="0" cy="0"/>
+        </a:xfrm>
+      </p:grpSpPr>
+      <p:sp>
+        <p:nvSpPr>
+          <p:cNvPr id="2" name="Slide Image Placeholder 1"/>
+          <p:cNvSpPr>
+            <a:spLocks noGrp="1" noRot="1" noChangeAspect="1"/>
+          </p:cNvSpPr>
+          <p:nvPr>
+            <p:ph type="sldImg"/>
+          </p:nvPr>
+        </p:nvSpPr>
+        <p:spPr/>
+      </p:sp>
+      <p:sp>
+        <p:nvSpPr>
+          <p:cNvPr id="3" name="Notes Placeholder 2"/>
+          <p:cNvSpPr>
+            <a:spLocks noGrp="1"/>
+          </p:cNvSpPr>
+          <p:nvPr>
+            <p:ph type="body" idx="1"/>
+          </p:nvPr>
+        </p:nvSpPr>
+        <p:spPr/>
+        <p:txBody>
+          <a:bodyPr/>
+          <a:lstStyle/>
+          <a:p>
+            <a:r>
+              <a:rPr lang="en-US" dirty="0"/>
+              <a:t>_style: "padding-bottom: 55px;"</a:t>
+            </a:r>
+            <a:endParaRPr lang="en-US" dirty="0"/>
+          </a:p>
+        </p:txBody>
+      </p:sp>
+      <p:sp>
+        <p:nvSpPr>
+          <p:cNvPr id="4" name="Slide Number Placeholder 3"/>
+          <p:cNvSpPr>
+            <a:spLocks noGrp="1"/>
+          </p:cNvSpPr>
+          <p:nvPr>
+            <p:ph type="sldNum" sz="quarter" idx="10"/>
+          </p:nvPr>
+        </p:nvSpPr>
+        <p:spPr/>
+        <p:txBody>
+          <a:bodyPr/>
+          <a:lstStyle/>
+          <a:p>
+            <a:fld id="{F7021451-1387-4CA6-816F-3879F97B5CBC}" type="slidenum">
+              <a:rPr lang="en-US"/>
+              <a:t>53</a:t>
+            </a:fld>
+            <a:endParaRPr lang="en-US"/>
+          </a:p>
+        </p:txBody>
+      </p:sp>
+    </p:spTree>
+    <p:extLst>
+      <p:ext uri="{BB962C8B-B14F-4D97-AF65-F5344CB8AC3E}">
+        <p14:creationId xmlns:p14="http://schemas.microsoft.com/office/powerpoint/2010/main" val="1024086991"/>
+      </p:ext>
+    </p:extLst>
+  </p:cSld>
+  <p:clrMapOvr>
+    <a:masterClrMapping/>
+  </p:clrMapOvr>
+</p:notes>
+</file>
+
+<file path=ppt/notesSlides/notesSlide54.xml><?xml version="1.0" encoding="utf-8"?>
+<p:notes xmlns:a="http://schemas.openxmlformats.org/drawingml/2006/main" xmlns:r="http://schemas.openxmlformats.org/officeDocument/2006/relationships" xmlns:p="http://schemas.openxmlformats.org/presentationml/2006/main">
+  <p:cSld>
+    <p:spTree>
+      <p:nvGrpSpPr>
+        <p:cNvPr id="1" name=""/>
+        <p:cNvGrpSpPr/>
+        <p:nvPr/>
+      </p:nvGrpSpPr>
+      <p:grpSpPr>
+        <a:xfrm>
+          <a:off x="0" y="0"/>
+          <a:ext cx="0" cy="0"/>
+          <a:chOff x="0" y="0"/>
+          <a:chExt cx="0" cy="0"/>
+        </a:xfrm>
+      </p:grpSpPr>
+      <p:sp>
+        <p:nvSpPr>
+          <p:cNvPr id="2" name="Slide Image Placeholder 1"/>
+          <p:cNvSpPr>
+            <a:spLocks noGrp="1" noRot="1" noChangeAspect="1"/>
+          </p:cNvSpPr>
+          <p:nvPr>
+            <p:ph type="sldImg"/>
+          </p:nvPr>
+        </p:nvSpPr>
+        <p:spPr/>
+      </p:sp>
+      <p:sp>
+        <p:nvSpPr>
+          <p:cNvPr id="3" name="Notes Placeholder 2"/>
+          <p:cNvSpPr>
+            <a:spLocks noGrp="1"/>
+          </p:cNvSpPr>
+          <p:nvPr>
+            <p:ph type="body" idx="1"/>
+          </p:nvPr>
+        </p:nvSpPr>
+        <p:spPr/>
+        <p:txBody>
+          <a:bodyPr/>
+          <a:lstStyle/>
+          <a:p>
+            <a:r>
+              <a:rPr lang="en-US" dirty="0"/>
+              <a:t>_style: "padding-bottom: 55px;"</a:t>
+            </a:r>
+            <a:endParaRPr lang="en-US" dirty="0"/>
+          </a:p>
+        </p:txBody>
+      </p:sp>
+      <p:sp>
+        <p:nvSpPr>
+          <p:cNvPr id="4" name="Slide Number Placeholder 3"/>
+          <p:cNvSpPr>
+            <a:spLocks noGrp="1"/>
+          </p:cNvSpPr>
+          <p:nvPr>
+            <p:ph type="sldNum" sz="quarter" idx="10"/>
+          </p:nvPr>
+        </p:nvSpPr>
+        <p:spPr/>
+        <p:txBody>
+          <a:bodyPr/>
+          <a:lstStyle/>
+          <a:p>
+            <a:fld id="{F7021451-1387-4CA6-816F-3879F97B5CBC}" type="slidenum">
+              <a:rPr lang="en-US"/>
+              <a:t>54</a:t>
+            </a:fld>
+            <a:endParaRPr lang="en-US"/>
+          </a:p>
+        </p:txBody>
+      </p:sp>
+    </p:spTree>
+    <p:extLst>
+      <p:ext uri="{BB962C8B-B14F-4D97-AF65-F5344CB8AC3E}">
+        <p14:creationId xmlns:p14="http://schemas.microsoft.com/office/powerpoint/2010/main" val="1024086991"/>
+      </p:ext>
+    </p:extLst>
+  </p:cSld>
+  <p:clrMapOvr>
+    <a:masterClrMapping/>
+  </p:clrMapOvr>
+</p:notes>
+</file>
+
+<file path=ppt/notesSlides/notesSlide55.xml><?xml version="1.0" encoding="utf-8"?>
 <p:notes xmlns:a="http://schemas.openxmlformats.org/drawingml/2006/main" xmlns:r="http://schemas.openxmlformats.org/officeDocument/2006/relationships" xmlns:p="http://schemas.openxmlformats.org/presentationml/2006/main">
   <p:cSld>
     <p:spTree>
@@ -4652,7 +5034,7 @@
           <a:p>
             <a:fld id="{F7021451-1387-4CA6-816F-3879F97B5CBC}" type="slidenum">
               <a:rPr lang="en-US"/>
-              <a:t>51</a:t>
+              <a:t>55</a:t>
             </a:fld>
             <a:endParaRPr lang="en-US"/>
           </a:p>
@@ -4671,7 +5053,7 @@
 </p:notes>
 </file>
 
-<file path=ppt/notesSlides/notesSlide52.xml><?xml version="1.0" encoding="utf-8"?>
+<file path=ppt/notesSlides/notesSlide56.xml><?xml version="1.0" encoding="utf-8"?>
 <p:notes xmlns:a="http://schemas.openxmlformats.org/drawingml/2006/main" xmlns:r="http://schemas.openxmlformats.org/officeDocument/2006/relationships" xmlns:p="http://schemas.openxmlformats.org/presentationml/2006/main">
   <p:cSld>
     <p:spTree>
@@ -4717,7 +5099,7 @@
           <a:p>
             <a:r>
               <a:rPr lang="en-US" dirty="0"/>
-              <a:t>_style: "padding-bottom: 55px;"</a:t>
+              <a:t/>
             </a:r>
             <a:endParaRPr lang="en-US" dirty="0"/>
           </a:p>
@@ -4740,7 +5122,7 @@
           <a:p>
             <a:fld id="{F7021451-1387-4CA6-816F-3879F97B5CBC}" type="slidenum">
               <a:rPr lang="en-US"/>
-              <a:t>52</a:t>
+              <a:t>56</a:t>
             </a:fld>
             <a:endParaRPr lang="en-US"/>
           </a:p>
@@ -4759,358 +5141,6 @@
 </p:notes>
 </file>
 
-<file path=ppt/notesSlides/notesSlide53.xml><?xml version="1.0" encoding="utf-8"?>
-<p:notes xmlns:a="http://schemas.openxmlformats.org/drawingml/2006/main" xmlns:r="http://schemas.openxmlformats.org/officeDocument/2006/relationships" xmlns:p="http://schemas.openxmlformats.org/presentationml/2006/main">
-  <p:cSld>
-    <p:spTree>
-      <p:nvGrpSpPr>
-        <p:cNvPr id="1" name=""/>
-        <p:cNvGrpSpPr/>
-        <p:nvPr/>
-      </p:nvGrpSpPr>
-      <p:grpSpPr>
-        <a:xfrm>
-          <a:off x="0" y="0"/>
-          <a:ext cx="0" cy="0"/>
-          <a:chOff x="0" y="0"/>
-          <a:chExt cx="0" cy="0"/>
-        </a:xfrm>
-      </p:grpSpPr>
-      <p:sp>
-        <p:nvSpPr>
-          <p:cNvPr id="2" name="Slide Image Placeholder 1"/>
-          <p:cNvSpPr>
-            <a:spLocks noGrp="1" noRot="1" noChangeAspect="1"/>
-          </p:cNvSpPr>
-          <p:nvPr>
-            <p:ph type="sldImg"/>
-          </p:nvPr>
-        </p:nvSpPr>
-        <p:spPr/>
-      </p:sp>
-      <p:sp>
-        <p:nvSpPr>
-          <p:cNvPr id="3" name="Notes Placeholder 2"/>
-          <p:cNvSpPr>
-            <a:spLocks noGrp="1"/>
-          </p:cNvSpPr>
-          <p:nvPr>
-            <p:ph type="body" idx="1"/>
-          </p:nvPr>
-        </p:nvSpPr>
-        <p:spPr/>
-        <p:txBody>
-          <a:bodyPr/>
-          <a:lstStyle/>
-          <a:p>
-            <a:r>
-              <a:rPr lang="en-US" dirty="0"/>
-              <a:t>_style: "padding-bottom: 55px;"</a:t>
-            </a:r>
-            <a:endParaRPr lang="en-US" dirty="0"/>
-          </a:p>
-        </p:txBody>
-      </p:sp>
-      <p:sp>
-        <p:nvSpPr>
-          <p:cNvPr id="4" name="Slide Number Placeholder 3"/>
-          <p:cNvSpPr>
-            <a:spLocks noGrp="1"/>
-          </p:cNvSpPr>
-          <p:nvPr>
-            <p:ph type="sldNum" sz="quarter" idx="10"/>
-          </p:nvPr>
-        </p:nvSpPr>
-        <p:spPr/>
-        <p:txBody>
-          <a:bodyPr/>
-          <a:lstStyle/>
-          <a:p>
-            <a:fld id="{F7021451-1387-4CA6-816F-3879F97B5CBC}" type="slidenum">
-              <a:rPr lang="en-US"/>
-              <a:t>53</a:t>
-            </a:fld>
-            <a:endParaRPr lang="en-US"/>
-          </a:p>
-        </p:txBody>
-      </p:sp>
-    </p:spTree>
-    <p:extLst>
-      <p:ext uri="{BB962C8B-B14F-4D97-AF65-F5344CB8AC3E}">
-        <p14:creationId xmlns:p14="http://schemas.microsoft.com/office/powerpoint/2010/main" val="1024086991"/>
-      </p:ext>
-    </p:extLst>
-  </p:cSld>
-  <p:clrMapOvr>
-    <a:masterClrMapping/>
-  </p:clrMapOvr>
-</p:notes>
-</file>
-
-<file path=ppt/notesSlides/notesSlide54.xml><?xml version="1.0" encoding="utf-8"?>
-<p:notes xmlns:a="http://schemas.openxmlformats.org/drawingml/2006/main" xmlns:r="http://schemas.openxmlformats.org/officeDocument/2006/relationships" xmlns:p="http://schemas.openxmlformats.org/presentationml/2006/main">
-  <p:cSld>
-    <p:spTree>
-      <p:nvGrpSpPr>
-        <p:cNvPr id="1" name=""/>
-        <p:cNvGrpSpPr/>
-        <p:nvPr/>
-      </p:nvGrpSpPr>
-      <p:grpSpPr>
-        <a:xfrm>
-          <a:off x="0" y="0"/>
-          <a:ext cx="0" cy="0"/>
-          <a:chOff x="0" y="0"/>
-          <a:chExt cx="0" cy="0"/>
-        </a:xfrm>
-      </p:grpSpPr>
-      <p:sp>
-        <p:nvSpPr>
-          <p:cNvPr id="2" name="Slide Image Placeholder 1"/>
-          <p:cNvSpPr>
-            <a:spLocks noGrp="1" noRot="1" noChangeAspect="1"/>
-          </p:cNvSpPr>
-          <p:nvPr>
-            <p:ph type="sldImg"/>
-          </p:nvPr>
-        </p:nvSpPr>
-        <p:spPr/>
-      </p:sp>
-      <p:sp>
-        <p:nvSpPr>
-          <p:cNvPr id="3" name="Notes Placeholder 2"/>
-          <p:cNvSpPr>
-            <a:spLocks noGrp="1"/>
-          </p:cNvSpPr>
-          <p:nvPr>
-            <p:ph type="body" idx="1"/>
-          </p:nvPr>
-        </p:nvSpPr>
-        <p:spPr/>
-        <p:txBody>
-          <a:bodyPr/>
-          <a:lstStyle/>
-          <a:p>
-            <a:r>
-              <a:rPr lang="en-US" dirty="0"/>
-              <a:t>_style: "padding-bottom: 55px;"</a:t>
-            </a:r>
-            <a:endParaRPr lang="en-US" dirty="0"/>
-          </a:p>
-        </p:txBody>
-      </p:sp>
-      <p:sp>
-        <p:nvSpPr>
-          <p:cNvPr id="4" name="Slide Number Placeholder 3"/>
-          <p:cNvSpPr>
-            <a:spLocks noGrp="1"/>
-          </p:cNvSpPr>
-          <p:nvPr>
-            <p:ph type="sldNum" sz="quarter" idx="10"/>
-          </p:nvPr>
-        </p:nvSpPr>
-        <p:spPr/>
-        <p:txBody>
-          <a:bodyPr/>
-          <a:lstStyle/>
-          <a:p>
-            <a:fld id="{F7021451-1387-4CA6-816F-3879F97B5CBC}" type="slidenum">
-              <a:rPr lang="en-US"/>
-              <a:t>54</a:t>
-            </a:fld>
-            <a:endParaRPr lang="en-US"/>
-          </a:p>
-        </p:txBody>
-      </p:sp>
-    </p:spTree>
-    <p:extLst>
-      <p:ext uri="{BB962C8B-B14F-4D97-AF65-F5344CB8AC3E}">
-        <p14:creationId xmlns:p14="http://schemas.microsoft.com/office/powerpoint/2010/main" val="1024086991"/>
-      </p:ext>
-    </p:extLst>
-  </p:cSld>
-  <p:clrMapOvr>
-    <a:masterClrMapping/>
-  </p:clrMapOvr>
-</p:notes>
-</file>
-
-<file path=ppt/notesSlides/notesSlide55.xml><?xml version="1.0" encoding="utf-8"?>
-<p:notes xmlns:a="http://schemas.openxmlformats.org/drawingml/2006/main" xmlns:r="http://schemas.openxmlformats.org/officeDocument/2006/relationships" xmlns:p="http://schemas.openxmlformats.org/presentationml/2006/main">
-  <p:cSld>
-    <p:spTree>
-      <p:nvGrpSpPr>
-        <p:cNvPr id="1" name=""/>
-        <p:cNvGrpSpPr/>
-        <p:nvPr/>
-      </p:nvGrpSpPr>
-      <p:grpSpPr>
-        <a:xfrm>
-          <a:off x="0" y="0"/>
-          <a:ext cx="0" cy="0"/>
-          <a:chOff x="0" y="0"/>
-          <a:chExt cx="0" cy="0"/>
-        </a:xfrm>
-      </p:grpSpPr>
-      <p:sp>
-        <p:nvSpPr>
-          <p:cNvPr id="2" name="Slide Image Placeholder 1"/>
-          <p:cNvSpPr>
-            <a:spLocks noGrp="1" noRot="1" noChangeAspect="1"/>
-          </p:cNvSpPr>
-          <p:nvPr>
-            <p:ph type="sldImg"/>
-          </p:nvPr>
-        </p:nvSpPr>
-        <p:spPr/>
-      </p:sp>
-      <p:sp>
-        <p:nvSpPr>
-          <p:cNvPr id="3" name="Notes Placeholder 2"/>
-          <p:cNvSpPr>
-            <a:spLocks noGrp="1"/>
-          </p:cNvSpPr>
-          <p:nvPr>
-            <p:ph type="body" idx="1"/>
-          </p:nvPr>
-        </p:nvSpPr>
-        <p:spPr/>
-        <p:txBody>
-          <a:bodyPr/>
-          <a:lstStyle/>
-          <a:p>
-            <a:r>
-              <a:rPr lang="en-US" dirty="0"/>
-              <a:t/>
-            </a:r>
-            <a:endParaRPr lang="en-US" dirty="0"/>
-          </a:p>
-        </p:txBody>
-      </p:sp>
-      <p:sp>
-        <p:nvSpPr>
-          <p:cNvPr id="4" name="Slide Number Placeholder 3"/>
-          <p:cNvSpPr>
-            <a:spLocks noGrp="1"/>
-          </p:cNvSpPr>
-          <p:nvPr>
-            <p:ph type="sldNum" sz="quarter" idx="10"/>
-          </p:nvPr>
-        </p:nvSpPr>
-        <p:spPr/>
-        <p:txBody>
-          <a:bodyPr/>
-          <a:lstStyle/>
-          <a:p>
-            <a:fld id="{F7021451-1387-4CA6-816F-3879F97B5CBC}" type="slidenum">
-              <a:rPr lang="en-US"/>
-              <a:t>55</a:t>
-            </a:fld>
-            <a:endParaRPr lang="en-US"/>
-          </a:p>
-        </p:txBody>
-      </p:sp>
-    </p:spTree>
-    <p:extLst>
-      <p:ext uri="{BB962C8B-B14F-4D97-AF65-F5344CB8AC3E}">
-        <p14:creationId xmlns:p14="http://schemas.microsoft.com/office/powerpoint/2010/main" val="1024086991"/>
-      </p:ext>
-    </p:extLst>
-  </p:cSld>
-  <p:clrMapOvr>
-    <a:masterClrMapping/>
-  </p:clrMapOvr>
-</p:notes>
-</file>
-
-<file path=ppt/notesSlides/notesSlide56.xml><?xml version="1.0" encoding="utf-8"?>
-<p:notes xmlns:a="http://schemas.openxmlformats.org/drawingml/2006/main" xmlns:r="http://schemas.openxmlformats.org/officeDocument/2006/relationships" xmlns:p="http://schemas.openxmlformats.org/presentationml/2006/main">
-  <p:cSld>
-    <p:spTree>
-      <p:nvGrpSpPr>
-        <p:cNvPr id="1" name=""/>
-        <p:cNvGrpSpPr/>
-        <p:nvPr/>
-      </p:nvGrpSpPr>
-      <p:grpSpPr>
-        <a:xfrm>
-          <a:off x="0" y="0"/>
-          <a:ext cx="0" cy="0"/>
-          <a:chOff x="0" y="0"/>
-          <a:chExt cx="0" cy="0"/>
-        </a:xfrm>
-      </p:grpSpPr>
-      <p:sp>
-        <p:nvSpPr>
-          <p:cNvPr id="2" name="Slide Image Placeholder 1"/>
-          <p:cNvSpPr>
-            <a:spLocks noGrp="1" noRot="1" noChangeAspect="1"/>
-          </p:cNvSpPr>
-          <p:nvPr>
-            <p:ph type="sldImg"/>
-          </p:nvPr>
-        </p:nvSpPr>
-        <p:spPr/>
-      </p:sp>
-      <p:sp>
-        <p:nvSpPr>
-          <p:cNvPr id="3" name="Notes Placeholder 2"/>
-          <p:cNvSpPr>
-            <a:spLocks noGrp="1"/>
-          </p:cNvSpPr>
-          <p:nvPr>
-            <p:ph type="body" idx="1"/>
-          </p:nvPr>
-        </p:nvSpPr>
-        <p:spPr/>
-        <p:txBody>
-          <a:bodyPr/>
-          <a:lstStyle/>
-          <a:p>
-            <a:r>
-              <a:rPr lang="en-US" dirty="0"/>
-              <a:t/>
-            </a:r>
-            <a:endParaRPr lang="en-US" dirty="0"/>
-          </a:p>
-        </p:txBody>
-      </p:sp>
-      <p:sp>
-        <p:nvSpPr>
-          <p:cNvPr id="4" name="Slide Number Placeholder 3"/>
-          <p:cNvSpPr>
-            <a:spLocks noGrp="1"/>
-          </p:cNvSpPr>
-          <p:nvPr>
-            <p:ph type="sldNum" sz="quarter" idx="10"/>
-          </p:nvPr>
-        </p:nvSpPr>
-        <p:spPr/>
-        <p:txBody>
-          <a:bodyPr/>
-          <a:lstStyle/>
-          <a:p>
-            <a:fld id="{F7021451-1387-4CA6-816F-3879F97B5CBC}" type="slidenum">
-              <a:rPr lang="en-US"/>
-              <a:t>56</a:t>
-            </a:fld>
-            <a:endParaRPr lang="en-US"/>
-          </a:p>
-        </p:txBody>
-      </p:sp>
-    </p:spTree>
-    <p:extLst>
-      <p:ext uri="{BB962C8B-B14F-4D97-AF65-F5344CB8AC3E}">
-        <p14:creationId xmlns:p14="http://schemas.microsoft.com/office/powerpoint/2010/main" val="1024086991"/>
-      </p:ext>
-    </p:extLst>
-  </p:cSld>
-  <p:clrMapOvr>
-    <a:masterClrMapping/>
-  </p:clrMapOvr>
-</p:notes>
-</file>
-
 <file path=ppt/notesSlides/notesSlide6.xml><?xml version="1.0" encoding="utf-8"?>
 <p:notes xmlns:a="http://schemas.openxmlformats.org/drawingml/2006/main" xmlns:r="http://schemas.openxmlformats.org/officeDocument/2006/relationships" xmlns:p="http://schemas.openxmlformats.org/presentationml/2006/main">
   <p:cSld>
@@ -5157,7 +5187,7 @@
           <a:p>
             <a:r>
               <a:rPr lang="en-US" dirty="0"/>
-              <a:t>_style: "padding-bottom: 60px;"</a:t>
+              <a:t>_style: "padding-bottom: 65px;"</a:t>
             </a:r>
             <a:endParaRPr lang="en-US" dirty="0"/>
           </a:p>
